--- a/Photo-group13.pptx
+++ b/Photo-group13.pptx
@@ -6010,7 +6010,7 @@
         </p:nvSpPr>
         <p:spPr>
           <a:xfrm>
-            <a:off x="2567835" y="5060509"/>
+            <a:off x="2655517" y="5060509"/>
             <a:ext cx="1115434" cy="369332"/>
           </a:xfrm>
           <a:prstGeom prst="rect">
@@ -6086,6 +6086,66 @@
           <a:xfrm>
             <a:off x="3758416" y="1786471"/>
             <a:ext cx="1224630" cy="1728216"/>
+          </a:xfrm>
+          <a:prstGeom prst="rect">
+            <a:avLst/>
+          </a:prstGeom>
+        </p:spPr>
+      </p:pic>
+      <p:pic>
+        <p:nvPicPr>
+          <p:cNvPr id="10" name="图片 9"/>
+          <p:cNvPicPr>
+            <a:picLocks noChangeAspect="1"/>
+          </p:cNvPicPr>
+          <p:nvPr/>
+        </p:nvPicPr>
+        <p:blipFill>
+          <a:blip r:embed="rId4">
+            <a:extLst>
+              <a:ext uri="{28A0092B-C50C-407E-A947-70E740481C1C}">
+                <a14:useLocalDpi xmlns:a14="http://schemas.microsoft.com/office/drawing/2010/main" val="0"/>
+              </a:ext>
+            </a:extLst>
+          </a:blip>
+          <a:stretch>
+            <a:fillRect/>
+          </a:stretch>
+        </p:blipFill>
+        <p:spPr>
+          <a:xfrm>
+            <a:off x="3758416" y="3835729"/>
+            <a:ext cx="1224630" cy="1531092"/>
+          </a:xfrm>
+          <a:prstGeom prst="rect">
+            <a:avLst/>
+          </a:prstGeom>
+        </p:spPr>
+      </p:pic>
+      <p:pic>
+        <p:nvPicPr>
+          <p:cNvPr id="11" name="图片 10"/>
+          <p:cNvPicPr>
+            <a:picLocks noChangeAspect="1"/>
+          </p:cNvPicPr>
+          <p:nvPr/>
+        </p:nvPicPr>
+        <p:blipFill>
+          <a:blip r:embed="rId5">
+            <a:extLst>
+              <a:ext uri="{28A0092B-C50C-407E-A947-70E740481C1C}">
+                <a14:useLocalDpi xmlns:a14="http://schemas.microsoft.com/office/drawing/2010/main" val="0"/>
+              </a:ext>
+            </a:extLst>
+          </a:blip>
+          <a:stretch>
+            <a:fillRect/>
+          </a:stretch>
+        </p:blipFill>
+        <p:spPr>
+          <a:xfrm>
+            <a:off x="7641051" y="3785625"/>
+            <a:ext cx="1188720" cy="1584960"/>
           </a:xfrm>
           <a:prstGeom prst="rect">
             <a:avLst/>
